--- a/docs/resources/Sprint3-Presentation.pptx
+++ b/docs/resources/Sprint3-Presentation.pptx
@@ -121,6 +121,8 @@
 <file path=ppt/revisionInfo.xml><?xml version="1.0" encoding="utf-8"?>
 <p1510:revInfo xmlns:a="http://schemas.openxmlformats.org/drawingml/2006/main" xmlns:r="http://schemas.openxmlformats.org/officeDocument/2006/relationships" xmlns:p1510="http://schemas.microsoft.com/office/powerpoint/2015/10/main">
   <p1510:revLst>
+    <p1510:client id="{2D06CEE8-8B02-1922-7C61-E1C038837A8F}" v="121" dt="2022-04-06T08:15:37.981"/>
+    <p1510:client id="{970D8162-7068-15BE-CFB5-1C106FB8289A}" v="41" dt="2022-04-08T23:28:20.037"/>
     <p1510:client id="{F1DC51D1-D26F-D2A2-2C9B-58309B6E3DAC}" v="1049" dt="2022-04-05T15:47:48.257"/>
   </p1510:revLst>
 </p1510:revInfo>
@@ -613,7 +615,7 @@
           <a:p>
             <a:fld id="{72345051-2045-45DA-935E-2E3CA1A69ADC}" type="datetimeFigureOut">
               <a:rPr lang="en-US" smtClean="0"/>
-              <a:t>4/5/2022</a:t>
+              <a:t>4/8/2022</a:t>
             </a:fld>
             <a:endParaRPr lang="en-US"/>
           </a:p>
@@ -811,7 +813,7 @@
           <a:p>
             <a:fld id="{72345051-2045-45DA-935E-2E3CA1A69ADC}" type="datetimeFigureOut">
               <a:rPr lang="en-US" smtClean="0"/>
-              <a:t>4/5/2022</a:t>
+              <a:t>4/8/2022</a:t>
             </a:fld>
             <a:endParaRPr lang="en-US"/>
           </a:p>
@@ -1019,7 +1021,7 @@
           <a:p>
             <a:fld id="{72345051-2045-45DA-935E-2E3CA1A69ADC}" type="datetimeFigureOut">
               <a:rPr lang="en-US" smtClean="0"/>
-              <a:t>4/5/2022</a:t>
+              <a:t>4/8/2022</a:t>
             </a:fld>
             <a:endParaRPr lang="en-US"/>
           </a:p>
@@ -1241,7 +1243,7 @@
           <a:p>
             <a:fld id="{23FEA57E-7C1A-457B-A4CD-5DCEB057B502}" type="datetime1">
               <a:rPr lang="en-US" smtClean="0"/>
-              <a:t>4/5/2022</a:t>
+              <a:t>4/8/2022</a:t>
             </a:fld>
             <a:endParaRPr lang="en-US"/>
           </a:p>
@@ -1453,7 +1455,7 @@
           <a:p>
             <a:fld id="{201AF2CE-4F37-411C-A3EE-BBBE223265BF}" type="datetime1">
               <a:rPr lang="en-US" smtClean="0"/>
-              <a:t>4/5/2022</a:t>
+              <a:t>4/8/2022</a:t>
             </a:fld>
             <a:endParaRPr lang="en-US"/>
           </a:p>
@@ -1733,7 +1735,7 @@
           <a:p>
             <a:fld id="{C96083D4-708C-4BB5-B4FD-30CE9FA12FD5}" type="datetime1">
               <a:rPr lang="en-US" smtClean="0"/>
-              <a:t>4/5/2022</a:t>
+              <a:t>4/8/2022</a:t>
             </a:fld>
             <a:endParaRPr lang="en-US"/>
           </a:p>
@@ -2010,7 +2012,7 @@
           <a:p>
             <a:fld id="{D0D239B2-65BC-4C2A-A62B-3EABFE9590E4}" type="datetime1">
               <a:rPr lang="en-US" smtClean="0"/>
-              <a:t>4/5/2022</a:t>
+              <a:t>4/8/2022</a:t>
             </a:fld>
             <a:endParaRPr lang="en-US"/>
           </a:p>
@@ -2431,7 +2433,7 @@
           <a:p>
             <a:fld id="{85E05F5A-E4A3-476F-A89E-C2B73F2431E4}" type="datetime1">
               <a:rPr lang="en-US" smtClean="0"/>
-              <a:t>4/5/2022</a:t>
+              <a:t>4/8/2022</a:t>
             </a:fld>
             <a:endParaRPr lang="en-US"/>
           </a:p>
@@ -2575,7 +2577,7 @@
           <a:p>
             <a:fld id="{E3761515-4A26-4F31-9F61-5A10B1FABBFC}" type="datetime1">
               <a:rPr lang="en-US" smtClean="0"/>
-              <a:t>4/5/2022</a:t>
+              <a:t>4/8/2022</a:t>
             </a:fld>
             <a:endParaRPr lang="en-US"/>
           </a:p>
@@ -2691,7 +2693,7 @@
           <a:p>
             <a:fld id="{4A75DC65-7D1F-4BAB-9695-F7E734143E14}" type="datetime1">
               <a:rPr lang="en-US" smtClean="0"/>
-              <a:t>4/5/2022</a:t>
+              <a:t>4/8/2022</a:t>
             </a:fld>
             <a:endParaRPr lang="en-US"/>
           </a:p>
@@ -3005,7 +3007,7 @@
           <a:p>
             <a:fld id="{7E624077-BD55-4036-8E92-6558FDF3B653}" type="datetime1">
               <a:rPr lang="en-US" smtClean="0"/>
-              <a:t>4/5/2022</a:t>
+              <a:t>4/8/2022</a:t>
             </a:fld>
             <a:endParaRPr lang="en-US"/>
           </a:p>
@@ -3229,7 +3231,7 @@
           <a:p>
             <a:fld id="{72345051-2045-45DA-935E-2E3CA1A69ADC}" type="datetimeFigureOut">
               <a:rPr lang="en-US" smtClean="0"/>
-              <a:t>4/5/2022</a:t>
+              <a:t>4/8/2022</a:t>
             </a:fld>
             <a:endParaRPr lang="en-US"/>
           </a:p>
@@ -4151,7 +4153,7 @@
           <a:p>
             <a:fld id="{804225F2-7107-4609-BCC2-77C63064A5E8}" type="datetime1">
               <a:rPr lang="en-US" smtClean="0"/>
-              <a:t>4/5/2022</a:t>
+              <a:t>4/8/2022</a:t>
             </a:fld>
             <a:endParaRPr lang="en-US"/>
           </a:p>
@@ -4352,7 +4354,7 @@
           <a:p>
             <a:fld id="{11789749-A4CD-447F-8298-2B7988C91CEA}" type="datetime1">
               <a:rPr lang="en-US" smtClean="0"/>
-              <a:t>4/5/2022</a:t>
+              <a:t>4/8/2022</a:t>
             </a:fld>
             <a:endParaRPr lang="en-US"/>
           </a:p>
@@ -4563,7 +4565,7 @@
           <a:p>
             <a:fld id="{BA0444D3-C0BA-4587-A56C-581AB9F841BE}" type="datetime1">
               <a:rPr lang="en-US" smtClean="0"/>
-              <a:t>4/5/2022</a:t>
+              <a:t>4/8/2022</a:t>
             </a:fld>
             <a:endParaRPr lang="en-US"/>
           </a:p>
@@ -4845,7 +4847,7 @@
           <a:p>
             <a:fld id="{72345051-2045-45DA-935E-2E3CA1A69ADC}" type="datetimeFigureOut">
               <a:rPr lang="en-US" smtClean="0"/>
-              <a:t>4/5/2022</a:t>
+              <a:t>4/8/2022</a:t>
             </a:fld>
             <a:endParaRPr lang="en-US"/>
           </a:p>
@@ -5446,7 +5448,7 @@
           <a:p>
             <a:fld id="{72345051-2045-45DA-935E-2E3CA1A69ADC}" type="datetimeFigureOut">
               <a:rPr lang="en-US" smtClean="0"/>
-              <a:t>4/5/2022</a:t>
+              <a:t>4/8/2022</a:t>
             </a:fld>
             <a:endParaRPr lang="en-US"/>
           </a:p>
@@ -6493,7 +6495,7 @@
           <a:p>
             <a:fld id="{72345051-2045-45DA-935E-2E3CA1A69ADC}" type="datetimeFigureOut">
               <a:rPr lang="en-US" smtClean="0"/>
-              <a:t>4/5/2022</a:t>
+              <a:t>4/8/2022</a:t>
             </a:fld>
             <a:endParaRPr lang="en-US"/>
           </a:p>
@@ -7276,7 +7278,7 @@
           <a:p>
             <a:fld id="{72345051-2045-45DA-935E-2E3CA1A69ADC}" type="datetimeFigureOut">
               <a:rPr lang="en-US" smtClean="0"/>
-              <a:t>4/5/2022</a:t>
+              <a:t>4/8/2022</a:t>
             </a:fld>
             <a:endParaRPr lang="en-US"/>
           </a:p>
@@ -7725,7 +7727,7 @@
           <a:p>
             <a:fld id="{72345051-2045-45DA-935E-2E3CA1A69ADC}" type="datetimeFigureOut">
               <a:rPr lang="en-US" smtClean="0"/>
-              <a:t>4/5/2022</a:t>
+              <a:t>4/8/2022</a:t>
             </a:fld>
             <a:endParaRPr lang="en-US"/>
           </a:p>
@@ -8040,7 +8042,7 @@
           <a:p>
             <a:fld id="{72345051-2045-45DA-935E-2E3CA1A69ADC}" type="datetimeFigureOut">
               <a:rPr lang="en-US" smtClean="0"/>
-              <a:t>4/5/2022</a:t>
+              <a:t>4/8/2022</a:t>
             </a:fld>
             <a:endParaRPr lang="en-US"/>
           </a:p>
@@ -8667,7 +8669,7 @@
           <a:p>
             <a:fld id="{72345051-2045-45DA-935E-2E3CA1A69ADC}" type="datetimeFigureOut">
               <a:rPr lang="en-US" smtClean="0"/>
-              <a:t>4/5/2022</a:t>
+              <a:t>4/8/2022</a:t>
             </a:fld>
             <a:endParaRPr lang="en-US"/>
           </a:p>
@@ -9240,7 +9242,7 @@
           <a:p>
             <a:fld id="{72345051-2045-45DA-935E-2E3CA1A69ADC}" type="datetimeFigureOut">
               <a:rPr lang="en-US" smtClean="0"/>
-              <a:t>4/5/2022</a:t>
+              <a:t>4/8/2022</a:t>
             </a:fld>
             <a:endParaRPr lang="en-US"/>
           </a:p>
@@ -9810,7 +9812,7 @@
           <a:p>
             <a:fld id="{D3FE42E8-8B57-452D-A122-4DCE9AC771EF}" type="datetime1">
               <a:rPr lang="en-US" smtClean="0"/>
-              <a:t>4/5/2022</a:t>
+              <a:t>4/8/2022</a:t>
             </a:fld>
             <a:endParaRPr lang="en-US"/>
           </a:p>
@@ -12842,13 +12844,13 @@
         </p:nvSpPr>
         <p:spPr>
           <a:xfrm>
-            <a:off x="1316555" y="2442293"/>
-            <a:ext cx="5025006" cy="2685590"/>
+            <a:off x="1309010" y="2472471"/>
+            <a:ext cx="5304154" cy="3243887"/>
           </a:xfrm>
         </p:spPr>
         <p:txBody>
           <a:bodyPr vert="horz" lIns="91440" tIns="45720" rIns="91440" bIns="45720" rtlCol="0" anchor="ctr">
-            <a:normAutofit/>
+            <a:normAutofit lnSpcReduction="10000"/>
           </a:bodyPr>
           <a:lstStyle/>
           <a:p>
@@ -12887,7 +12889,16 @@
               <a:rPr lang="en-US" dirty="0">
                 <a:latin typeface="Walbaum Display"/>
               </a:rPr>
-              <a:t>Multiple bugs are fixed</a:t>
+              <a:t>Multiple bugs fixed</a:t>
+            </a:r>
+          </a:p>
+          <a:p>
+            <a:pPr marL="0"/>
+            <a:r>
+              <a:rPr lang="en-US" dirty="0">
+                <a:latin typeface="Walbaum Display"/>
+              </a:rPr>
+              <a:t>Page for rules</a:t>
             </a:r>
           </a:p>
         </p:txBody>
@@ -14135,7 +14146,7 @@
           <p:nvPr>
             <p:extLst>
               <p:ext uri="{D42A27DB-BD31-4B8C-83A1-F6EECF244321}">
-                <p14:modId xmlns:p14="http://schemas.microsoft.com/office/powerpoint/2010/main" val="3781077143"/>
+                <p14:modId xmlns:p14="http://schemas.microsoft.com/office/powerpoint/2010/main" val="303960616"/>
               </p:ext>
             </p:extLst>
           </p:nvPr>
@@ -14526,11 +14537,14 @@
                         <a:rPr lang="en-US" sz="1800" u="none" strike="noStrike" noProof="0" dirty="0">
                           <a:latin typeface="Walbaum Display"/>
                         </a:rPr>
-                        <a:t>€ </a:t>
+                        <a:t>€</a:t>
                       </a:r>
-                      <a:endParaRPr lang="en-US">
-                        <a:latin typeface="Walbaum Display"/>
-                      </a:endParaRPr>
+                      <a:r>
+                        <a:rPr lang="en-US" sz="1800" b="1" u="none" strike="noStrike" noProof="0" dirty="0">
+                          <a:latin typeface="Walbaum Display"/>
+                        </a:rPr>
+                        <a:t> 10,252</a:t>
+                      </a:r>
                     </a:p>
                   </a:txBody>
                   <a:tcPr/>
@@ -14611,15 +14625,9 @@
                         <a:rPr lang="en-US" sz="1800" b="1" i="0" u="none" strike="noStrike" noProof="0" dirty="0">
                           <a:latin typeface="Walbaum Display"/>
                         </a:rPr>
-                        <a:t>24, 809</a:t>
+                        <a:t>35,061</a:t>
                       </a:r>
-                      <a:r>
-                        <a:rPr lang="en-US" sz="1800" b="0" i="0" u="none" strike="noStrike" noProof="0" dirty="0">
-                          <a:latin typeface="Walbaum Display"/>
-                        </a:rPr>
-                        <a:t> + spr3 </a:t>
-                      </a:r>
-                      <a:endParaRPr lang="en-US">
+                      <a:endParaRPr lang="en-US" sz="1800" b="0" i="0" u="none" strike="noStrike" noProof="0" dirty="0">
                         <a:latin typeface="Walbaum Display"/>
                       </a:endParaRPr>
                     </a:p>
